--- a/Python Libraries for Data Analysis and Visualization.pptx
+++ b/Python Libraries for Data Analysis and Visualization.pptx
@@ -26,17 +26,16 @@
     <p:sldId id="271" r:id="rId21"/>
     <p:sldId id="272" r:id="rId22"/>
     <p:sldId id="273" r:id="rId23"/>
-    <p:sldId id="274" r:id="rId24"/>
   </p:sldIdLst>
   <p:sldSz cy="5143500" cx="9144000"/>
   <p:notesSz cx="6858000" cy="9144000"/>
   <p:embeddedFontLst>
     <p:embeddedFont>
       <p:font typeface="Roboto"/>
-      <p:regular r:id="rId25"/>
-      <p:bold r:id="rId26"/>
-      <p:italic r:id="rId27"/>
-      <p:boldItalic r:id="rId28"/>
+      <p:regular r:id="rId24"/>
+      <p:bold r:id="rId25"/>
+      <p:italic r:id="rId26"/>
+      <p:boldItalic r:id="rId27"/>
     </p:embeddedFont>
   </p:embeddedFontLst>
   <p:defaultTextStyle>
@@ -817,7 +816,7 @@
   <p:cSld>
     <p:spTree>
       <p:nvGrpSpPr>
-        <p:cNvPr id="138" name="Shape 138"/>
+        <p:cNvPr id="142" name="Shape 142"/>
         <p:cNvGrpSpPr/>
         <p:nvPr/>
       </p:nvGrpSpPr>
@@ -831,7 +830,7 @@
       </p:grpSpPr>
       <p:sp>
         <p:nvSpPr>
-          <p:cNvPr id="139" name="Google Shape;139;g11f09a9532e_0_665:notes"/>
+          <p:cNvPr id="143" name="Google Shape;143;g11f09a9532e_0_670:notes"/>
           <p:cNvSpPr/>
           <p:nvPr>
             <p:ph idx="2" type="sldImg"/>
@@ -866,7 +865,7 @@
       </p:sp>
       <p:sp>
         <p:nvSpPr>
-          <p:cNvPr id="140" name="Google Shape;140;g11f09a9532e_0_665:notes"/>
+          <p:cNvPr id="144" name="Google Shape;144;g11f09a9532e_0_670:notes"/>
           <p:cNvSpPr txBox="1"/>
           <p:nvPr>
             <p:ph idx="1" type="body"/>
@@ -916,7 +915,7 @@
   <p:cSld>
     <p:spTree>
       <p:nvGrpSpPr>
-        <p:cNvPr id="144" name="Shape 144"/>
+        <p:cNvPr id="148" name="Shape 148"/>
         <p:cNvGrpSpPr/>
         <p:nvPr/>
       </p:nvGrpSpPr>
@@ -930,7 +929,7 @@
       </p:grpSpPr>
       <p:sp>
         <p:nvSpPr>
-          <p:cNvPr id="145" name="Google Shape;145;g11f09a9532e_0_670:notes"/>
+          <p:cNvPr id="149" name="Google Shape;149;g11f09a9532e_0_675:notes"/>
           <p:cNvSpPr/>
           <p:nvPr>
             <p:ph idx="2" type="sldImg"/>
@@ -965,7 +964,7 @@
       </p:sp>
       <p:sp>
         <p:nvSpPr>
-          <p:cNvPr id="146" name="Google Shape;146;g11f09a9532e_0_670:notes"/>
+          <p:cNvPr id="150" name="Google Shape;150;g11f09a9532e_0_675:notes"/>
           <p:cNvSpPr txBox="1"/>
           <p:nvPr>
             <p:ph idx="1" type="body"/>
@@ -1015,7 +1014,7 @@
   <p:cSld>
     <p:spTree>
       <p:nvGrpSpPr>
-        <p:cNvPr id="150" name="Shape 150"/>
+        <p:cNvPr id="154" name="Shape 154"/>
         <p:cNvGrpSpPr/>
         <p:nvPr/>
       </p:nvGrpSpPr>
@@ -1029,7 +1028,7 @@
       </p:grpSpPr>
       <p:sp>
         <p:nvSpPr>
-          <p:cNvPr id="151" name="Google Shape;151;g11f09a9532e_0_675:notes"/>
+          <p:cNvPr id="155" name="Google Shape;155;g11f09a9532e_0_680:notes"/>
           <p:cNvSpPr/>
           <p:nvPr>
             <p:ph idx="2" type="sldImg"/>
@@ -1064,7 +1063,7 @@
       </p:sp>
       <p:sp>
         <p:nvSpPr>
-          <p:cNvPr id="152" name="Google Shape;152;g11f09a9532e_0_675:notes"/>
+          <p:cNvPr id="156" name="Google Shape;156;g11f09a9532e_0_680:notes"/>
           <p:cNvSpPr txBox="1"/>
           <p:nvPr>
             <p:ph idx="1" type="body"/>
@@ -1114,7 +1113,7 @@
   <p:cSld>
     <p:spTree>
       <p:nvGrpSpPr>
-        <p:cNvPr id="156" name="Shape 156"/>
+        <p:cNvPr id="160" name="Shape 160"/>
         <p:cNvGrpSpPr/>
         <p:nvPr/>
       </p:nvGrpSpPr>
@@ -1128,7 +1127,7 @@
       </p:grpSpPr>
       <p:sp>
         <p:nvSpPr>
-          <p:cNvPr id="157" name="Google Shape;157;g11f09a9532e_0_680:notes"/>
+          <p:cNvPr id="161" name="Google Shape;161;g11f09a9532e_0_685:notes"/>
           <p:cNvSpPr/>
           <p:nvPr>
             <p:ph idx="2" type="sldImg"/>
@@ -1163,7 +1162,7 @@
       </p:sp>
       <p:sp>
         <p:nvSpPr>
-          <p:cNvPr id="158" name="Google Shape;158;g11f09a9532e_0_680:notes"/>
+          <p:cNvPr id="162" name="Google Shape;162;g11f09a9532e_0_685:notes"/>
           <p:cNvSpPr txBox="1"/>
           <p:nvPr>
             <p:ph idx="1" type="body"/>
@@ -1213,7 +1212,7 @@
   <p:cSld>
     <p:spTree>
       <p:nvGrpSpPr>
-        <p:cNvPr id="162" name="Shape 162"/>
+        <p:cNvPr id="166" name="Shape 166"/>
         <p:cNvGrpSpPr/>
         <p:nvPr/>
       </p:nvGrpSpPr>
@@ -1227,7 +1226,7 @@
       </p:grpSpPr>
       <p:sp>
         <p:nvSpPr>
-          <p:cNvPr id="163" name="Google Shape;163;g11f09a9532e_0_685:notes"/>
+          <p:cNvPr id="167" name="Google Shape;167;g11f09a9532e_0_695:notes"/>
           <p:cNvSpPr/>
           <p:nvPr>
             <p:ph idx="2" type="sldImg"/>
@@ -1262,7 +1261,7 @@
       </p:sp>
       <p:sp>
         <p:nvSpPr>
-          <p:cNvPr id="164" name="Google Shape;164;g11f09a9532e_0_685:notes"/>
+          <p:cNvPr id="168" name="Google Shape;168;g11f09a9532e_0_695:notes"/>
           <p:cNvSpPr txBox="1"/>
           <p:nvPr>
             <p:ph idx="1" type="body"/>
@@ -1312,7 +1311,7 @@
   <p:cSld>
     <p:spTree>
       <p:nvGrpSpPr>
-        <p:cNvPr id="168" name="Shape 168"/>
+        <p:cNvPr id="172" name="Shape 172"/>
         <p:cNvGrpSpPr/>
         <p:nvPr/>
       </p:nvGrpSpPr>
@@ -1326,7 +1325,7 @@
       </p:grpSpPr>
       <p:sp>
         <p:nvSpPr>
-          <p:cNvPr id="169" name="Google Shape;169;g11f09a9532e_0_695:notes"/>
+          <p:cNvPr id="173" name="Google Shape;173;g11f09a9532e_0_701:notes"/>
           <p:cNvSpPr/>
           <p:nvPr>
             <p:ph idx="2" type="sldImg"/>
@@ -1361,7 +1360,7 @@
       </p:sp>
       <p:sp>
         <p:nvSpPr>
-          <p:cNvPr id="170" name="Google Shape;170;g11f09a9532e_0_695:notes"/>
+          <p:cNvPr id="174" name="Google Shape;174;g11f09a9532e_0_701:notes"/>
           <p:cNvSpPr txBox="1"/>
           <p:nvPr>
             <p:ph idx="1" type="body"/>
@@ -1411,7 +1410,7 @@
   <p:cSld>
     <p:spTree>
       <p:nvGrpSpPr>
-        <p:cNvPr id="174" name="Shape 174"/>
+        <p:cNvPr id="180" name="Shape 180"/>
         <p:cNvGrpSpPr/>
         <p:nvPr/>
       </p:nvGrpSpPr>
@@ -1425,7 +1424,7 @@
       </p:grpSpPr>
       <p:sp>
         <p:nvSpPr>
-          <p:cNvPr id="175" name="Google Shape;175;g11f09a9532e_0_701:notes"/>
+          <p:cNvPr id="181" name="Google Shape;181;g11f3217976a_0_13:notes"/>
           <p:cNvSpPr/>
           <p:nvPr>
             <p:ph idx="2" type="sldImg"/>
@@ -1460,7 +1459,7 @@
       </p:sp>
       <p:sp>
         <p:nvSpPr>
-          <p:cNvPr id="176" name="Google Shape;176;g11f09a9532e_0_701:notes"/>
+          <p:cNvPr id="182" name="Google Shape;182;g11f3217976a_0_13:notes"/>
           <p:cNvSpPr txBox="1"/>
           <p:nvPr>
             <p:ph idx="1" type="body"/>
@@ -1510,7 +1509,7 @@
   <p:cSld>
     <p:spTree>
       <p:nvGrpSpPr>
-        <p:cNvPr id="180" name="Shape 180"/>
+        <p:cNvPr id="188" name="Shape 188"/>
         <p:cNvGrpSpPr/>
         <p:nvPr/>
       </p:nvGrpSpPr>
@@ -1524,7 +1523,7 @@
       </p:grpSpPr>
       <p:sp>
         <p:nvSpPr>
-          <p:cNvPr id="181" name="Google Shape;181;g11f09a9532e_0_707:notes"/>
+          <p:cNvPr id="189" name="Google Shape;189;g11f3217976a_0_22:notes"/>
           <p:cNvSpPr/>
           <p:nvPr>
             <p:ph idx="2" type="sldImg"/>
@@ -1559,7 +1558,7 @@
       </p:sp>
       <p:sp>
         <p:nvSpPr>
-          <p:cNvPr id="182" name="Google Shape;182;g11f09a9532e_0_707:notes"/>
+          <p:cNvPr id="190" name="Google Shape;190;g11f3217976a_0_22:notes"/>
           <p:cNvSpPr txBox="1"/>
           <p:nvPr>
             <p:ph idx="1" type="body"/>
@@ -1609,7 +1608,7 @@
   <p:cSld>
     <p:spTree>
       <p:nvGrpSpPr>
-        <p:cNvPr id="186" name="Shape 186"/>
+        <p:cNvPr id="196" name="Shape 196"/>
         <p:cNvGrpSpPr/>
         <p:nvPr/>
       </p:nvGrpSpPr>
@@ -1623,7 +1622,7 @@
       </p:grpSpPr>
       <p:sp>
         <p:nvSpPr>
-          <p:cNvPr id="187" name="Google Shape;187;g11f09a9532e_0_712:notes"/>
+          <p:cNvPr id="197" name="Google Shape;197;g11f09a9532e_0_690:notes"/>
           <p:cNvSpPr/>
           <p:nvPr>
             <p:ph idx="2" type="sldImg"/>
@@ -1658,106 +1657,7 @@
       </p:sp>
       <p:sp>
         <p:nvSpPr>
-          <p:cNvPr id="188" name="Google Shape;188;g11f09a9532e_0_712:notes"/>
-          <p:cNvSpPr txBox="1"/>
-          <p:nvPr>
-            <p:ph idx="1" type="body"/>
-          </p:nvPr>
-        </p:nvSpPr>
-        <p:spPr>
-          <a:xfrm>
-            <a:off x="685800" y="4343400"/>
-            <a:ext cx="5486400" cy="4114800"/>
-          </a:xfrm>
-          <a:prstGeom prst="rect">
-            <a:avLst/>
-          </a:prstGeom>
-        </p:spPr>
-        <p:txBody>
-          <a:bodyPr anchorCtr="0" anchor="t" bIns="91425" lIns="91425" spcFirstLastPara="1" rIns="91425" wrap="square" tIns="91425">
-            <a:noAutofit/>
-          </a:bodyPr>
-          <a:lstStyle/>
-          <a:p>
-            <a:pPr indent="0" lvl="0" marL="0" rtl="0" algn="l">
-              <a:spcBef>
-                <a:spcPts val="0"/>
-              </a:spcBef>
-              <a:spcAft>
-                <a:spcPts val="0"/>
-              </a:spcAft>
-              <a:buNone/>
-            </a:pPr>
-            <a:r>
-              <a:t/>
-            </a:r>
-            <a:endParaRPr/>
-          </a:p>
-        </p:txBody>
-      </p:sp>
-    </p:spTree>
-  </p:cSld>
-  <p:clrMapOvr>
-    <a:masterClrMapping/>
-  </p:clrMapOvr>
-</p:notes>
-</file>
-
-<file path=ppt/notesSlides/notesSlide19.xml><?xml version="1.0" encoding="utf-8"?>
-<p:notes xmlns:a="http://schemas.openxmlformats.org/drawingml/2006/main" xmlns:r="http://schemas.openxmlformats.org/officeDocument/2006/relationships" xmlns:mc="http://schemas.openxmlformats.org/markup-compatibility/2006" xmlns:mv="urn:schemas-microsoft-com:mac:vml" xmlns:p="http://schemas.openxmlformats.org/presentationml/2006/main" xmlns:c="http://schemas.openxmlformats.org/drawingml/2006/chart" xmlns:dgm="http://schemas.openxmlformats.org/drawingml/2006/diagram" xmlns:o="urn:schemas-microsoft-com:office:office" xmlns:v="urn:schemas-microsoft-com:vml" xmlns:pvml="urn:schemas-microsoft-com:office:powerpoint" xmlns:com="http://schemas.openxmlformats.org/drawingml/2006/compatibility" xmlns:p14="http://schemas.microsoft.com/office/powerpoint/2010/main" xmlns:p15="http://schemas.microsoft.com/office/powerpoint/2012/main" xmlns:ahyp="http://schemas.microsoft.com/office/drawing/2018/hyperlinkcolor" showMasterPhAnim="0" showMasterSp="0">
-  <p:cSld>
-    <p:spTree>
-      <p:nvGrpSpPr>
-        <p:cNvPr id="192" name="Shape 192"/>
-        <p:cNvGrpSpPr/>
-        <p:nvPr/>
-      </p:nvGrpSpPr>
-      <p:grpSpPr>
-        <a:xfrm>
-          <a:off x="0" y="0"/>
-          <a:ext cx="0" cy="0"/>
-          <a:chOff x="0" y="0"/>
-          <a:chExt cx="0" cy="0"/>
-        </a:xfrm>
-      </p:grpSpPr>
-      <p:sp>
-        <p:nvSpPr>
-          <p:cNvPr id="193" name="Google Shape;193;g11f09a9532e_0_690:notes"/>
-          <p:cNvSpPr/>
-          <p:nvPr>
-            <p:ph idx="2" type="sldImg"/>
-          </p:nvPr>
-        </p:nvSpPr>
-        <p:spPr>
-          <a:xfrm>
-            <a:off x="381300" y="685800"/>
-            <a:ext cx="6096000" cy="3429000"/>
-          </a:xfrm>
-          <a:custGeom>
-            <a:rect b="b" l="l" r="r" t="t"/>
-            <a:pathLst>
-              <a:path extrusionOk="0" h="120000" w="120000">
-                <a:moveTo>
-                  <a:pt x="0" y="0"/>
-                </a:moveTo>
-                <a:lnTo>
-                  <a:pt x="120000" y="0"/>
-                </a:lnTo>
-                <a:lnTo>
-                  <a:pt x="120000" y="120000"/>
-                </a:lnTo>
-                <a:lnTo>
-                  <a:pt x="0" y="120000"/>
-                </a:lnTo>
-                <a:close/>
-              </a:path>
-            </a:pathLst>
-          </a:custGeom>
-        </p:spPr>
-      </p:sp>
-      <p:sp>
-        <p:nvSpPr>
-          <p:cNvPr id="194" name="Google Shape;194;g11f09a9532e_0_690:notes"/>
+          <p:cNvPr id="198" name="Google Shape;198;g11f09a9532e_0_690:notes"/>
           <p:cNvSpPr txBox="1"/>
           <p:nvPr>
             <p:ph idx="1" type="body"/>
@@ -2500,7 +2400,7 @@
   <p:cSld>
     <p:spTree>
       <p:nvGrpSpPr>
-        <p:cNvPr id="132" name="Shape 132"/>
+        <p:cNvPr id="134" name="Shape 134"/>
         <p:cNvGrpSpPr/>
         <p:nvPr/>
       </p:nvGrpSpPr>
@@ -2514,7 +2414,7 @@
       </p:grpSpPr>
       <p:sp>
         <p:nvSpPr>
-          <p:cNvPr id="133" name="Google Shape;133;g11f09a9532e_0_660:notes"/>
+          <p:cNvPr id="135" name="Google Shape;135;g11f09a9532e_0_660:notes"/>
           <p:cNvSpPr/>
           <p:nvPr>
             <p:ph idx="2" type="sldImg"/>
@@ -2549,7 +2449,7 @@
       </p:sp>
       <p:sp>
         <p:nvSpPr>
-          <p:cNvPr id="134" name="Google Shape;134;g11f09a9532e_0_660:notes"/>
+          <p:cNvPr id="136" name="Google Shape;136;g11f09a9532e_0_660:notes"/>
           <p:cNvSpPr txBox="1"/>
           <p:nvPr>
             <p:ph idx="1" type="body"/>
@@ -9304,7 +9204,7 @@
   <p:cSld>
     <p:spTree>
       <p:nvGrpSpPr>
-        <p:cNvPr id="141" name="Shape 141"/>
+        <p:cNvPr id="145" name="Shape 145"/>
         <p:cNvGrpSpPr/>
         <p:nvPr/>
       </p:nvGrpSpPr>
@@ -9318,128 +9218,7 @@
       </p:grpSpPr>
       <p:sp>
         <p:nvSpPr>
-          <p:cNvPr id="142" name="Google Shape;142;p22"/>
-          <p:cNvSpPr txBox="1"/>
-          <p:nvPr>
-            <p:ph type="title"/>
-          </p:nvPr>
-        </p:nvSpPr>
-        <p:spPr>
-          <a:xfrm>
-            <a:off x="311700" y="410000"/>
-            <a:ext cx="8520600" cy="607800"/>
-          </a:xfrm>
-          <a:prstGeom prst="rect">
-            <a:avLst/>
-          </a:prstGeom>
-        </p:spPr>
-        <p:txBody>
-          <a:bodyPr anchorCtr="0" anchor="t" bIns="91425" lIns="91425" spcFirstLastPara="1" rIns="91425" wrap="square" tIns="91425">
-            <a:normAutofit fontScale="90000"/>
-          </a:bodyPr>
-          <a:lstStyle/>
-          <a:p>
-            <a:pPr indent="0" lvl="0" marL="0" rtl="0" algn="l">
-              <a:spcBef>
-                <a:spcPts val="0"/>
-              </a:spcBef>
-              <a:spcAft>
-                <a:spcPts val="0"/>
-              </a:spcAft>
-              <a:buNone/>
-            </a:pPr>
-            <a:r>
-              <a:rPr lang="en"/>
-              <a:t>A closer look at the dataset</a:t>
-            </a:r>
-            <a:endParaRPr/>
-          </a:p>
-        </p:txBody>
-      </p:sp>
-      <p:sp>
-        <p:nvSpPr>
-          <p:cNvPr id="143" name="Google Shape;143;p22"/>
-          <p:cNvSpPr txBox="1"/>
-          <p:nvPr>
-            <p:ph idx="1" type="body"/>
-          </p:nvPr>
-        </p:nvSpPr>
-        <p:spPr>
-          <a:xfrm>
-            <a:off x="311700" y="1229875"/>
-            <a:ext cx="8520600" cy="3339000"/>
-          </a:xfrm>
-          <a:prstGeom prst="rect">
-            <a:avLst/>
-          </a:prstGeom>
-        </p:spPr>
-        <p:txBody>
-          <a:bodyPr anchorCtr="0" anchor="t" bIns="91425" lIns="91425" spcFirstLastPara="1" rIns="91425" wrap="square" tIns="91425">
-            <a:normAutofit/>
-          </a:bodyPr>
-          <a:lstStyle/>
-          <a:p>
-            <a:pPr indent="0" lvl="0" marL="0" rtl="0" algn="l">
-              <a:spcBef>
-                <a:spcPts val="0"/>
-              </a:spcBef>
-              <a:spcAft>
-                <a:spcPts val="0"/>
-              </a:spcAft>
-              <a:buNone/>
-            </a:pPr>
-            <a:r>
-              <a:rPr lang="en"/>
-              <a:t>Can we tell a story based on the data?</a:t>
-            </a:r>
-            <a:endParaRPr/>
-          </a:p>
-          <a:p>
-            <a:pPr indent="0" lvl="0" marL="0" rtl="0" algn="l">
-              <a:spcBef>
-                <a:spcPts val="1200"/>
-              </a:spcBef>
-              <a:spcAft>
-                <a:spcPts val="1200"/>
-              </a:spcAft>
-              <a:buNone/>
-            </a:pPr>
-            <a:r>
-              <a:rPr lang="en"/>
-              <a:t>Meaningful information?</a:t>
-            </a:r>
-            <a:endParaRPr/>
-          </a:p>
-        </p:txBody>
-      </p:sp>
-    </p:spTree>
-  </p:cSld>
-  <p:clrMapOvr>
-    <a:masterClrMapping/>
-  </p:clrMapOvr>
-</p:sld>
-</file>
-
-<file path=ppt/slides/slide11.xml><?xml version="1.0" encoding="utf-8"?>
-<p:sld xmlns:a="http://schemas.openxmlformats.org/drawingml/2006/main" xmlns:r="http://schemas.openxmlformats.org/officeDocument/2006/relationships" xmlns:mc="http://schemas.openxmlformats.org/markup-compatibility/2006" xmlns:mv="urn:schemas-microsoft-com:mac:vml" xmlns:p="http://schemas.openxmlformats.org/presentationml/2006/main" xmlns:c="http://schemas.openxmlformats.org/drawingml/2006/chart" xmlns:dgm="http://schemas.openxmlformats.org/drawingml/2006/diagram" xmlns:o="urn:schemas-microsoft-com:office:office" xmlns:v="urn:schemas-microsoft-com:vml" xmlns:pvml="urn:schemas-microsoft-com:office:powerpoint" xmlns:com="http://schemas.openxmlformats.org/drawingml/2006/compatibility" xmlns:p14="http://schemas.microsoft.com/office/powerpoint/2010/main" xmlns:p15="http://schemas.microsoft.com/office/powerpoint/2012/main" xmlns:ahyp="http://schemas.microsoft.com/office/drawing/2018/hyperlinkcolor">
-  <p:cSld>
-    <p:spTree>
-      <p:nvGrpSpPr>
-        <p:cNvPr id="147" name="Shape 147"/>
-        <p:cNvGrpSpPr/>
-        <p:nvPr/>
-      </p:nvGrpSpPr>
-      <p:grpSpPr>
-        <a:xfrm>
-          <a:off x="0" y="0"/>
-          <a:ext cx="0" cy="0"/>
-          <a:chOff x="0" y="0"/>
-          <a:chExt cx="0" cy="0"/>
-        </a:xfrm>
-      </p:grpSpPr>
-      <p:sp>
-        <p:nvSpPr>
-          <p:cNvPr id="148" name="Google Shape;148;p23"/>
+          <p:cNvPr id="146" name="Google Shape;146;p22"/>
           <p:cNvSpPr txBox="1"/>
           <p:nvPr>
             <p:ph type="title"/>
@@ -9479,7 +9258,7 @@
       </p:sp>
       <p:sp>
         <p:nvSpPr>
-          <p:cNvPr id="149" name="Google Shape;149;p23"/>
+          <p:cNvPr id="147" name="Google Shape;147;p22"/>
           <p:cNvSpPr txBox="1"/>
           <p:nvPr>
             <p:ph idx="2" type="body"/>
@@ -9652,12 +9431,12 @@
 </p:sld>
 </file>
 
-<file path=ppt/slides/slide12.xml><?xml version="1.0" encoding="utf-8"?>
+<file path=ppt/slides/slide11.xml><?xml version="1.0" encoding="utf-8"?>
 <p:sld xmlns:a="http://schemas.openxmlformats.org/drawingml/2006/main" xmlns:r="http://schemas.openxmlformats.org/officeDocument/2006/relationships" xmlns:mc="http://schemas.openxmlformats.org/markup-compatibility/2006" xmlns:mv="urn:schemas-microsoft-com:mac:vml" xmlns:p="http://schemas.openxmlformats.org/presentationml/2006/main" xmlns:c="http://schemas.openxmlformats.org/drawingml/2006/chart" xmlns:dgm="http://schemas.openxmlformats.org/drawingml/2006/diagram" xmlns:o="urn:schemas-microsoft-com:office:office" xmlns:v="urn:schemas-microsoft-com:vml" xmlns:pvml="urn:schemas-microsoft-com:office:powerpoint" xmlns:com="http://schemas.openxmlformats.org/drawingml/2006/compatibility" xmlns:p14="http://schemas.microsoft.com/office/powerpoint/2010/main" xmlns:p15="http://schemas.microsoft.com/office/powerpoint/2012/main" xmlns:ahyp="http://schemas.microsoft.com/office/drawing/2018/hyperlinkcolor">
   <p:cSld>
     <p:spTree>
       <p:nvGrpSpPr>
-        <p:cNvPr id="153" name="Shape 153"/>
+        <p:cNvPr id="151" name="Shape 151"/>
         <p:cNvGrpSpPr/>
         <p:nvPr/>
       </p:nvGrpSpPr>
@@ -9671,7 +9450,7 @@
       </p:grpSpPr>
       <p:sp>
         <p:nvSpPr>
-          <p:cNvPr id="154" name="Google Shape;154;p24"/>
+          <p:cNvPr id="152" name="Google Shape;152;p23"/>
           <p:cNvSpPr txBox="1"/>
           <p:nvPr>
             <p:ph type="title"/>
@@ -9711,7 +9490,7 @@
       </p:sp>
       <p:sp>
         <p:nvSpPr>
-          <p:cNvPr id="155" name="Google Shape;155;p24"/>
+          <p:cNvPr id="153" name="Google Shape;153;p23"/>
           <p:cNvSpPr txBox="1"/>
           <p:nvPr>
             <p:ph idx="2" type="body"/>
@@ -9884,12 +9663,12 @@
 </p:sld>
 </file>
 
-<file path=ppt/slides/slide13.xml><?xml version="1.0" encoding="utf-8"?>
+<file path=ppt/slides/slide12.xml><?xml version="1.0" encoding="utf-8"?>
 <p:sld xmlns:a="http://schemas.openxmlformats.org/drawingml/2006/main" xmlns:r="http://schemas.openxmlformats.org/officeDocument/2006/relationships" xmlns:mc="http://schemas.openxmlformats.org/markup-compatibility/2006" xmlns:mv="urn:schemas-microsoft-com:mac:vml" xmlns:p="http://schemas.openxmlformats.org/presentationml/2006/main" xmlns:c="http://schemas.openxmlformats.org/drawingml/2006/chart" xmlns:dgm="http://schemas.openxmlformats.org/drawingml/2006/diagram" xmlns:o="urn:schemas-microsoft-com:office:office" xmlns:v="urn:schemas-microsoft-com:vml" xmlns:pvml="urn:schemas-microsoft-com:office:powerpoint" xmlns:com="http://schemas.openxmlformats.org/drawingml/2006/compatibility" xmlns:p14="http://schemas.microsoft.com/office/powerpoint/2010/main" xmlns:p15="http://schemas.microsoft.com/office/powerpoint/2012/main" xmlns:ahyp="http://schemas.microsoft.com/office/drawing/2018/hyperlinkcolor">
   <p:cSld>
     <p:spTree>
       <p:nvGrpSpPr>
-        <p:cNvPr id="159" name="Shape 159"/>
+        <p:cNvPr id="157" name="Shape 157"/>
         <p:cNvGrpSpPr/>
         <p:nvPr/>
       </p:nvGrpSpPr>
@@ -9903,7 +9682,7 @@
       </p:grpSpPr>
       <p:sp>
         <p:nvSpPr>
-          <p:cNvPr id="160" name="Google Shape;160;p25"/>
+          <p:cNvPr id="158" name="Google Shape;158;p24"/>
           <p:cNvSpPr txBox="1"/>
           <p:nvPr>
             <p:ph type="title"/>
@@ -9943,7 +9722,7 @@
       </p:sp>
       <p:sp>
         <p:nvSpPr>
-          <p:cNvPr id="161" name="Google Shape;161;p25"/>
+          <p:cNvPr id="159" name="Google Shape;159;p24"/>
           <p:cNvSpPr txBox="1"/>
           <p:nvPr>
             <p:ph idx="2" type="body"/>
@@ -10116,12 +9895,12 @@
 </p:sld>
 </file>
 
-<file path=ppt/slides/slide14.xml><?xml version="1.0" encoding="utf-8"?>
+<file path=ppt/slides/slide13.xml><?xml version="1.0" encoding="utf-8"?>
 <p:sld xmlns:a="http://schemas.openxmlformats.org/drawingml/2006/main" xmlns:r="http://schemas.openxmlformats.org/officeDocument/2006/relationships" xmlns:mc="http://schemas.openxmlformats.org/markup-compatibility/2006" xmlns:mv="urn:schemas-microsoft-com:mac:vml" xmlns:p="http://schemas.openxmlformats.org/presentationml/2006/main" xmlns:c="http://schemas.openxmlformats.org/drawingml/2006/chart" xmlns:dgm="http://schemas.openxmlformats.org/drawingml/2006/diagram" xmlns:o="urn:schemas-microsoft-com:office:office" xmlns:v="urn:schemas-microsoft-com:vml" xmlns:pvml="urn:schemas-microsoft-com:office:powerpoint" xmlns:com="http://schemas.openxmlformats.org/drawingml/2006/compatibility" xmlns:p14="http://schemas.microsoft.com/office/powerpoint/2010/main" xmlns:p15="http://schemas.microsoft.com/office/powerpoint/2012/main" xmlns:ahyp="http://schemas.microsoft.com/office/drawing/2018/hyperlinkcolor">
   <p:cSld>
     <p:spTree>
       <p:nvGrpSpPr>
-        <p:cNvPr id="165" name="Shape 165"/>
+        <p:cNvPr id="163" name="Shape 163"/>
         <p:cNvGrpSpPr/>
         <p:nvPr/>
       </p:nvGrpSpPr>
@@ -10135,7 +9914,7 @@
       </p:grpSpPr>
       <p:sp>
         <p:nvSpPr>
-          <p:cNvPr id="166" name="Google Shape;166;p26"/>
+          <p:cNvPr id="164" name="Google Shape;164;p25"/>
           <p:cNvSpPr txBox="1"/>
           <p:nvPr>
             <p:ph type="title"/>
@@ -10175,7 +9954,7 @@
       </p:sp>
       <p:sp>
         <p:nvSpPr>
-          <p:cNvPr id="167" name="Google Shape;167;p26"/>
+          <p:cNvPr id="165" name="Google Shape;165;p25"/>
           <p:cNvSpPr txBox="1"/>
           <p:nvPr>
             <p:ph idx="2" type="body"/>
@@ -10348,12 +10127,12 @@
 </p:sld>
 </file>
 
-<file path=ppt/slides/slide15.xml><?xml version="1.0" encoding="utf-8"?>
+<file path=ppt/slides/slide14.xml><?xml version="1.0" encoding="utf-8"?>
 <p:sld xmlns:a="http://schemas.openxmlformats.org/drawingml/2006/main" xmlns:r="http://schemas.openxmlformats.org/officeDocument/2006/relationships" xmlns:mc="http://schemas.openxmlformats.org/markup-compatibility/2006" xmlns:mv="urn:schemas-microsoft-com:mac:vml" xmlns:p="http://schemas.openxmlformats.org/presentationml/2006/main" xmlns:c="http://schemas.openxmlformats.org/drawingml/2006/chart" xmlns:dgm="http://schemas.openxmlformats.org/drawingml/2006/diagram" xmlns:o="urn:schemas-microsoft-com:office:office" xmlns:v="urn:schemas-microsoft-com:vml" xmlns:pvml="urn:schemas-microsoft-com:office:powerpoint" xmlns:com="http://schemas.openxmlformats.org/drawingml/2006/compatibility" xmlns:p14="http://schemas.microsoft.com/office/powerpoint/2010/main" xmlns:p15="http://schemas.microsoft.com/office/powerpoint/2012/main" xmlns:ahyp="http://schemas.microsoft.com/office/drawing/2018/hyperlinkcolor">
   <p:cSld>
     <p:spTree>
       <p:nvGrpSpPr>
-        <p:cNvPr id="171" name="Shape 171"/>
+        <p:cNvPr id="169" name="Shape 169"/>
         <p:cNvGrpSpPr/>
         <p:nvPr/>
       </p:nvGrpSpPr>
@@ -10367,7 +10146,7 @@
       </p:grpSpPr>
       <p:sp>
         <p:nvSpPr>
-          <p:cNvPr id="172" name="Google Shape;172;p27"/>
+          <p:cNvPr id="170" name="Google Shape;170;p26"/>
           <p:cNvSpPr txBox="1"/>
           <p:nvPr>
             <p:ph type="title"/>
@@ -10407,7 +10186,7 @@
       </p:sp>
       <p:sp>
         <p:nvSpPr>
-          <p:cNvPr id="173" name="Google Shape;173;p27"/>
+          <p:cNvPr id="171" name="Google Shape;171;p26"/>
           <p:cNvSpPr txBox="1"/>
           <p:nvPr>
             <p:ph idx="2" type="body"/>
@@ -10462,6 +10241,32 @@
             <a:endParaRPr/>
           </a:p>
           <a:p>
+            <a:pPr indent="-317500" lvl="1" marL="914400" rtl="0" algn="l">
+              <a:spcBef>
+                <a:spcPts val="0"/>
+              </a:spcBef>
+              <a:spcAft>
+                <a:spcPts val="0"/>
+              </a:spcAft>
+              <a:buSzPts val="1400"/>
+              <a:buChar char="○"/>
+            </a:pPr>
+            <a:r>
+              <a:rPr lang="en" u="sng">
+                <a:solidFill>
+                  <a:schemeClr val="hlink"/>
+                </a:solidFill>
+                <a:hlinkClick r:id="rId3"/>
+              </a:rPr>
+              <a:t>https://selenium-python.readthedocs.io/</a:t>
+            </a:r>
+            <a:r>
+              <a:rPr lang="en"/>
+              <a:t> </a:t>
+            </a:r>
+            <a:endParaRPr/>
+          </a:p>
+          <a:p>
             <a:pPr indent="-342900" lvl="0" marL="457200" rtl="0" algn="l">
               <a:spcBef>
                 <a:spcPts val="0"/>
@@ -10492,6 +10297,32 @@
             <a:r>
               <a:rPr lang="en"/>
               <a:t>SQLAlchemy</a:t>
+            </a:r>
+            <a:endParaRPr/>
+          </a:p>
+          <a:p>
+            <a:pPr indent="-317500" lvl="1" marL="914400" rtl="0" algn="l">
+              <a:spcBef>
+                <a:spcPts val="0"/>
+              </a:spcBef>
+              <a:spcAft>
+                <a:spcPts val="0"/>
+              </a:spcAft>
+              <a:buSzPts val="1400"/>
+              <a:buChar char="○"/>
+            </a:pPr>
+            <a:r>
+              <a:rPr lang="en" u="sng">
+                <a:solidFill>
+                  <a:schemeClr val="hlink"/>
+                </a:solidFill>
+                <a:hlinkClick r:id="rId4"/>
+              </a:rPr>
+              <a:t>https://www.sqlalchemy.org/</a:t>
+            </a:r>
+            <a:r>
+              <a:rPr lang="en"/>
+              <a:t> </a:t>
             </a:r>
             <a:endParaRPr/>
           </a:p>
@@ -10505,12 +10336,12 @@
 </p:sld>
 </file>
 
-<file path=ppt/slides/slide16.xml><?xml version="1.0" encoding="utf-8"?>
+<file path=ppt/slides/slide15.xml><?xml version="1.0" encoding="utf-8"?>
 <p:sld xmlns:a="http://schemas.openxmlformats.org/drawingml/2006/main" xmlns:r="http://schemas.openxmlformats.org/officeDocument/2006/relationships" xmlns:mc="http://schemas.openxmlformats.org/markup-compatibility/2006" xmlns:mv="urn:schemas-microsoft-com:mac:vml" xmlns:p="http://schemas.openxmlformats.org/presentationml/2006/main" xmlns:c="http://schemas.openxmlformats.org/drawingml/2006/chart" xmlns:dgm="http://schemas.openxmlformats.org/drawingml/2006/diagram" xmlns:o="urn:schemas-microsoft-com:office:office" xmlns:v="urn:schemas-microsoft-com:vml" xmlns:pvml="urn:schemas-microsoft-com:office:powerpoint" xmlns:com="http://schemas.openxmlformats.org/drawingml/2006/compatibility" xmlns:p14="http://schemas.microsoft.com/office/powerpoint/2010/main" xmlns:p15="http://schemas.microsoft.com/office/powerpoint/2012/main" xmlns:ahyp="http://schemas.microsoft.com/office/drawing/2018/hyperlinkcolor">
   <p:cSld>
     <p:spTree>
       <p:nvGrpSpPr>
-        <p:cNvPr id="177" name="Shape 177"/>
+        <p:cNvPr id="175" name="Shape 175"/>
         <p:cNvGrpSpPr/>
         <p:nvPr/>
       </p:nvGrpSpPr>
@@ -10524,7 +10355,7 @@
       </p:grpSpPr>
       <p:sp>
         <p:nvSpPr>
-          <p:cNvPr id="178" name="Google Shape;178;p28"/>
+          <p:cNvPr id="176" name="Google Shape;176;p27"/>
           <p:cNvSpPr txBox="1"/>
           <p:nvPr>
             <p:ph type="title"/>
@@ -10564,7 +10395,7 @@
       </p:sp>
       <p:sp>
         <p:nvSpPr>
-          <p:cNvPr id="179" name="Google Shape;179;p28"/>
+          <p:cNvPr id="177" name="Google Shape;177;p27"/>
           <p:cNvSpPr txBox="1"/>
           <p:nvPr>
             <p:ph idx="2" type="body"/>
@@ -10595,10 +10426,18 @@
               <a:buNone/>
             </a:pPr>
             <a:r>
-              <a:rPr lang="en"/>
+              <a:rPr lang="en" sz="2200">
+                <a:highlight>
+                  <a:schemeClr val="accent5"/>
+                </a:highlight>
+              </a:rPr>
               <a:t>Data Analyst</a:t>
             </a:r>
-            <a:endParaRPr/>
+            <a:endParaRPr sz="2200">
+              <a:highlight>
+                <a:schemeClr val="accent5"/>
+              </a:highlight>
+            </a:endParaRPr>
           </a:p>
           <a:p>
             <a:pPr indent="0" lvl="0" marL="0" rtl="0" algn="l">
@@ -10612,7 +10451,7 @@
             </a:pPr>
             <a:r>
               <a:rPr lang="en"/>
-              <a:t>Role</a:t>
+              <a:t>Uses data to answer business questions</a:t>
             </a:r>
             <a:endParaRPr/>
           </a:p>
@@ -10622,15 +10461,173 @@
                 <a:spcPts val="1200"/>
               </a:spcBef>
               <a:spcAft>
+                <a:spcPts val="0"/>
+              </a:spcAft>
+              <a:buNone/>
+            </a:pPr>
+            <a:r>
+              <a:t/>
+            </a:r>
+            <a:endParaRPr/>
+          </a:p>
+          <a:p>
+            <a:pPr indent="0" lvl="0" marL="0" rtl="0" algn="l">
+              <a:spcBef>
                 <a:spcPts val="1200"/>
-              </a:spcAft>
-              <a:buNone/>
-            </a:pPr>
-            <a:r>
-              <a:rPr lang="en"/>
-              <a:t>Average Salary</a:t>
-            </a:r>
-            <a:endParaRPr/>
+              </a:spcBef>
+              <a:spcAft>
+                <a:spcPts val="0"/>
+              </a:spcAft>
+              <a:buNone/>
+            </a:pPr>
+            <a:r>
+              <a:t/>
+            </a:r>
+            <a:endParaRPr/>
+          </a:p>
+          <a:p>
+            <a:pPr indent="0" lvl="0" marL="0" rtl="0" algn="l">
+              <a:spcBef>
+                <a:spcPts val="1200"/>
+              </a:spcBef>
+              <a:spcAft>
+                <a:spcPts val="0"/>
+              </a:spcAft>
+              <a:buNone/>
+            </a:pPr>
+            <a:r>
+              <a:t/>
+            </a:r>
+            <a:endParaRPr/>
+          </a:p>
+          <a:p>
+            <a:pPr indent="0" lvl="0" marL="0" rtl="0" algn="l">
+              <a:spcBef>
+                <a:spcPts val="1200"/>
+              </a:spcBef>
+              <a:spcAft>
+                <a:spcPts val="0"/>
+              </a:spcAft>
+              <a:buNone/>
+            </a:pPr>
+            <a:r>
+              <a:t/>
+            </a:r>
+            <a:endParaRPr/>
+          </a:p>
+          <a:p>
+            <a:pPr indent="0" lvl="0" marL="0" rtl="0" algn="l">
+              <a:spcBef>
+                <a:spcPts val="1200"/>
+              </a:spcBef>
+              <a:spcAft>
+                <a:spcPts val="1200"/>
+              </a:spcAft>
+              <a:buNone/>
+            </a:pPr>
+            <a:r>
+              <a:t/>
+            </a:r>
+            <a:endParaRPr/>
+          </a:p>
+        </p:txBody>
+      </p:sp>
+      <p:pic>
+        <p:nvPicPr>
+          <p:cNvPr id="178" name="Google Shape;178;p27"/>
+          <p:cNvPicPr preferRelativeResize="0"/>
+          <p:nvPr/>
+        </p:nvPicPr>
+        <p:blipFill>
+          <a:blip r:embed="rId3">
+            <a:alphaModFix/>
+          </a:blip>
+          <a:stretch>
+            <a:fillRect/>
+          </a:stretch>
+        </p:blipFill>
+        <p:spPr>
+          <a:xfrm>
+            <a:off x="4310700" y="2161800"/>
+            <a:ext cx="4749099" cy="2486325"/>
+          </a:xfrm>
+          <a:prstGeom prst="rect">
+            <a:avLst/>
+          </a:prstGeom>
+          <a:noFill/>
+          <a:ln cap="flat" cmpd="sng" w="9525">
+            <a:solidFill>
+              <a:schemeClr val="dk2"/>
+            </a:solidFill>
+            <a:prstDash val="solid"/>
+            <a:round/>
+            <a:headEnd len="sm" w="sm" type="none"/>
+            <a:tailEnd len="sm" w="sm" type="none"/>
+          </a:ln>
+        </p:spPr>
+      </p:pic>
+      <p:sp>
+        <p:nvSpPr>
+          <p:cNvPr id="179" name="Google Shape;179;p27"/>
+          <p:cNvSpPr txBox="1"/>
+          <p:nvPr/>
+        </p:nvSpPr>
+        <p:spPr>
+          <a:xfrm>
+            <a:off x="42175" y="4764050"/>
+            <a:ext cx="5607300" cy="276900"/>
+          </a:xfrm>
+          <a:prstGeom prst="rect">
+            <a:avLst/>
+          </a:prstGeom>
+          <a:noFill/>
+          <a:ln>
+            <a:noFill/>
+          </a:ln>
+        </p:spPr>
+        <p:txBody>
+          <a:bodyPr anchorCtr="0" anchor="t" bIns="91425" lIns="91425" spcFirstLastPara="1" rIns="91425" wrap="square" tIns="91425">
+            <a:spAutoFit/>
+          </a:bodyPr>
+          <a:lstStyle/>
+          <a:p>
+            <a:pPr indent="0" lvl="0" marL="0" rtl="0" algn="l">
+              <a:spcBef>
+                <a:spcPts val="0"/>
+              </a:spcBef>
+              <a:spcAft>
+                <a:spcPts val="0"/>
+              </a:spcAft>
+              <a:buNone/>
+            </a:pPr>
+            <a:r>
+              <a:rPr lang="en" sz="600" u="sng">
+                <a:solidFill>
+                  <a:schemeClr val="hlink"/>
+                </a:solidFill>
+                <a:latin typeface="Roboto"/>
+                <a:ea typeface="Roboto"/>
+                <a:cs typeface="Roboto"/>
+                <a:sym typeface="Roboto"/>
+                <a:hlinkClick r:id="rId4"/>
+              </a:rPr>
+              <a:t>https://www.glassdoor.com/Salaries/california-data-analyst-salary-SRCH_IL.0,10_IS2280_KO11,23.htm</a:t>
+            </a:r>
+            <a:r>
+              <a:rPr lang="en" sz="600">
+                <a:latin typeface="Roboto"/>
+                <a:ea typeface="Roboto"/>
+                <a:cs typeface="Roboto"/>
+                <a:sym typeface="Roboto"/>
+              </a:rPr>
+              <a:t> </a:t>
+            </a:r>
+            <a:endParaRPr sz="600">
+              <a:latin typeface="Roboto"/>
+              <a:ea typeface="Roboto"/>
+              <a:cs typeface="Roboto"/>
+              <a:sym typeface="Roboto"/>
+            </a:endParaRPr>
           </a:p>
         </p:txBody>
       </p:sp>
@@ -10642,7 +10639,7 @@
 </p:sld>
 </file>
 
-<file path=ppt/slides/slide17.xml><?xml version="1.0" encoding="utf-8"?>
+<file path=ppt/slides/slide16.xml><?xml version="1.0" encoding="utf-8"?>
 <p:sld xmlns:a="http://schemas.openxmlformats.org/drawingml/2006/main" xmlns:r="http://schemas.openxmlformats.org/officeDocument/2006/relationships" xmlns:mc="http://schemas.openxmlformats.org/markup-compatibility/2006" xmlns:mv="urn:schemas-microsoft-com:mac:vml" xmlns:p="http://schemas.openxmlformats.org/presentationml/2006/main" xmlns:c="http://schemas.openxmlformats.org/drawingml/2006/chart" xmlns:dgm="http://schemas.openxmlformats.org/drawingml/2006/diagram" xmlns:o="urn:schemas-microsoft-com:office:office" xmlns:v="urn:schemas-microsoft-com:vml" xmlns:pvml="urn:schemas-microsoft-com:office:powerpoint" xmlns:com="http://schemas.openxmlformats.org/drawingml/2006/compatibility" xmlns:p14="http://schemas.microsoft.com/office/powerpoint/2010/main" xmlns:p15="http://schemas.microsoft.com/office/powerpoint/2012/main" xmlns:ahyp="http://schemas.microsoft.com/office/drawing/2018/hyperlinkcolor">
   <p:cSld>
     <p:spTree>
@@ -10661,7 +10658,7 @@
       </p:grpSpPr>
       <p:sp>
         <p:nvSpPr>
-          <p:cNvPr id="184" name="Google Shape;184;p29"/>
+          <p:cNvPr id="184" name="Google Shape;184;p28"/>
           <p:cNvSpPr txBox="1"/>
           <p:nvPr>
             <p:ph type="title"/>
@@ -10701,7 +10698,7 @@
       </p:sp>
       <p:sp>
         <p:nvSpPr>
-          <p:cNvPr id="185" name="Google Shape;185;p29"/>
+          <p:cNvPr id="185" name="Google Shape;185;p28"/>
           <p:cNvSpPr txBox="1"/>
           <p:nvPr>
             <p:ph idx="2" type="body"/>
@@ -10732,10 +10729,18 @@
               <a:buNone/>
             </a:pPr>
             <a:r>
-              <a:rPr lang="en"/>
+              <a:rPr lang="en" sz="2200">
+                <a:highlight>
+                  <a:schemeClr val="accent5"/>
+                </a:highlight>
+              </a:rPr>
               <a:t>Data Engineer</a:t>
             </a:r>
-            <a:endParaRPr/>
+            <a:endParaRPr sz="2200">
+              <a:highlight>
+                <a:schemeClr val="accent5"/>
+              </a:highlight>
+            </a:endParaRPr>
           </a:p>
           <a:p>
             <a:pPr indent="0" lvl="0" marL="0" rtl="0" algn="l">
@@ -10749,7 +10754,7 @@
             </a:pPr>
             <a:r>
               <a:rPr lang="en"/>
-              <a:t>Role</a:t>
+              <a:t>Develops dataset processes</a:t>
             </a:r>
             <a:endParaRPr/>
           </a:p>
@@ -10764,8 +10769,52 @@
               <a:buNone/>
             </a:pPr>
             <a:r>
-              <a:rPr lang="en"/>
-              <a:t>Average Salary</a:t>
+              <a:t/>
+            </a:r>
+            <a:endParaRPr/>
+          </a:p>
+          <a:p>
+            <a:pPr indent="0" lvl="0" marL="0" rtl="0" algn="l">
+              <a:spcBef>
+                <a:spcPts val="1200"/>
+              </a:spcBef>
+              <a:spcAft>
+                <a:spcPts val="0"/>
+              </a:spcAft>
+              <a:buNone/>
+            </a:pPr>
+            <a:r>
+              <a:t/>
+            </a:r>
+            <a:endParaRPr/>
+          </a:p>
+          <a:p>
+            <a:pPr indent="0" lvl="0" marL="0" rtl="0" algn="l">
+              <a:spcBef>
+                <a:spcPts val="1200"/>
+              </a:spcBef>
+              <a:spcAft>
+                <a:spcPts val="0"/>
+              </a:spcAft>
+              <a:buNone/>
+            </a:pPr>
+            <a:r>
+              <a:t/>
+            </a:r>
+            <a:endParaRPr/>
+          </a:p>
+          <a:p>
+            <a:pPr indent="0" lvl="0" marL="0" rtl="0" algn="l">
+              <a:spcBef>
+                <a:spcPts val="1200"/>
+              </a:spcBef>
+              <a:spcAft>
+                <a:spcPts val="0"/>
+              </a:spcAft>
+              <a:buNone/>
+            </a:pPr>
+            <a:r>
+              <a:t/>
             </a:r>
             <a:endParaRPr/>
           </a:p>
@@ -10786,6 +10835,105 @@
           </a:p>
         </p:txBody>
       </p:sp>
+      <p:sp>
+        <p:nvSpPr>
+          <p:cNvPr id="186" name="Google Shape;186;p28"/>
+          <p:cNvSpPr txBox="1"/>
+          <p:nvPr/>
+        </p:nvSpPr>
+        <p:spPr>
+          <a:xfrm>
+            <a:off x="42175" y="4764050"/>
+            <a:ext cx="5607300" cy="292500"/>
+          </a:xfrm>
+          <a:prstGeom prst="rect">
+            <a:avLst/>
+          </a:prstGeom>
+          <a:noFill/>
+          <a:ln>
+            <a:noFill/>
+          </a:ln>
+        </p:spPr>
+        <p:txBody>
+          <a:bodyPr anchorCtr="0" anchor="t" bIns="91425" lIns="91425" spcFirstLastPara="1" rIns="91425" wrap="square" tIns="91425">
+            <a:spAutoFit/>
+          </a:bodyPr>
+          <a:lstStyle/>
+          <a:p>
+            <a:pPr indent="0" lvl="0" marL="0" rtl="0" algn="l">
+              <a:spcBef>
+                <a:spcPts val="0"/>
+              </a:spcBef>
+              <a:spcAft>
+                <a:spcPts val="0"/>
+              </a:spcAft>
+              <a:buNone/>
+            </a:pPr>
+            <a:r>
+              <a:rPr lang="en" sz="700" u="sng">
+                <a:solidFill>
+                  <a:schemeClr val="hlink"/>
+                </a:solidFill>
+                <a:latin typeface="Roboto"/>
+                <a:ea typeface="Roboto"/>
+                <a:cs typeface="Roboto"/>
+                <a:sym typeface="Roboto"/>
+                <a:hlinkClick r:id="rId3"/>
+              </a:rPr>
+              <a:t>https://www.glassdoor.com/Salaries/california-data-engineer-salary-SRCH_IL.0,10_IS2280_KO11,24.htm</a:t>
+            </a:r>
+            <a:r>
+              <a:rPr lang="en" sz="700">
+                <a:latin typeface="Roboto"/>
+                <a:ea typeface="Roboto"/>
+                <a:cs typeface="Roboto"/>
+                <a:sym typeface="Roboto"/>
+              </a:rPr>
+              <a:t> </a:t>
+            </a:r>
+            <a:endParaRPr sz="700">
+              <a:latin typeface="Roboto"/>
+              <a:ea typeface="Roboto"/>
+              <a:cs typeface="Roboto"/>
+              <a:sym typeface="Roboto"/>
+            </a:endParaRPr>
+          </a:p>
+        </p:txBody>
+      </p:sp>
+      <p:pic>
+        <p:nvPicPr>
+          <p:cNvPr id="187" name="Google Shape;187;p28"/>
+          <p:cNvPicPr preferRelativeResize="0"/>
+          <p:nvPr/>
+        </p:nvPicPr>
+        <p:blipFill>
+          <a:blip r:embed="rId4">
+            <a:alphaModFix/>
+          </a:blip>
+          <a:stretch>
+            <a:fillRect/>
+          </a:stretch>
+        </p:blipFill>
+        <p:spPr>
+          <a:xfrm>
+            <a:off x="4310700" y="2214525"/>
+            <a:ext cx="4765050" cy="2549525"/>
+          </a:xfrm>
+          <a:prstGeom prst="rect">
+            <a:avLst/>
+          </a:prstGeom>
+          <a:noFill/>
+          <a:ln cap="flat" cmpd="sng" w="9525">
+            <a:solidFill>
+              <a:schemeClr val="dk2"/>
+            </a:solidFill>
+            <a:prstDash val="solid"/>
+            <a:round/>
+            <a:headEnd len="sm" w="sm" type="none"/>
+            <a:tailEnd len="sm" w="sm" type="none"/>
+          </a:ln>
+        </p:spPr>
+      </p:pic>
     </p:spTree>
   </p:cSld>
   <p:clrMapOvr>
@@ -10794,12 +10942,12 @@
 </p:sld>
 </file>
 
-<file path=ppt/slides/slide18.xml><?xml version="1.0" encoding="utf-8"?>
+<file path=ppt/slides/slide17.xml><?xml version="1.0" encoding="utf-8"?>
 <p:sld xmlns:a="http://schemas.openxmlformats.org/drawingml/2006/main" xmlns:r="http://schemas.openxmlformats.org/officeDocument/2006/relationships" xmlns:mc="http://schemas.openxmlformats.org/markup-compatibility/2006" xmlns:mv="urn:schemas-microsoft-com:mac:vml" xmlns:p="http://schemas.openxmlformats.org/presentationml/2006/main" xmlns:c="http://schemas.openxmlformats.org/drawingml/2006/chart" xmlns:dgm="http://schemas.openxmlformats.org/drawingml/2006/diagram" xmlns:o="urn:schemas-microsoft-com:office:office" xmlns:v="urn:schemas-microsoft-com:vml" xmlns:pvml="urn:schemas-microsoft-com:office:powerpoint" xmlns:com="http://schemas.openxmlformats.org/drawingml/2006/compatibility" xmlns:p14="http://schemas.microsoft.com/office/powerpoint/2010/main" xmlns:p15="http://schemas.microsoft.com/office/powerpoint/2012/main" xmlns:ahyp="http://schemas.microsoft.com/office/drawing/2018/hyperlinkcolor">
   <p:cSld>
     <p:spTree>
       <p:nvGrpSpPr>
-        <p:cNvPr id="189" name="Shape 189"/>
+        <p:cNvPr id="191" name="Shape 191"/>
         <p:cNvGrpSpPr/>
         <p:nvPr/>
       </p:nvGrpSpPr>
@@ -10813,7 +10961,7 @@
       </p:grpSpPr>
       <p:sp>
         <p:nvSpPr>
-          <p:cNvPr id="190" name="Google Shape;190;p30"/>
+          <p:cNvPr id="192" name="Google Shape;192;p29"/>
           <p:cNvSpPr txBox="1"/>
           <p:nvPr>
             <p:ph type="title"/>
@@ -10853,7 +11001,7 @@
       </p:sp>
       <p:sp>
         <p:nvSpPr>
-          <p:cNvPr id="191" name="Google Shape;191;p30"/>
+          <p:cNvPr id="193" name="Google Shape;193;p29"/>
           <p:cNvSpPr txBox="1"/>
           <p:nvPr>
             <p:ph idx="2" type="body"/>
@@ -10884,10 +11032,18 @@
               <a:buNone/>
             </a:pPr>
             <a:r>
-              <a:rPr lang="en"/>
+              <a:rPr lang="en" sz="2200">
+                <a:highlight>
+                  <a:schemeClr val="accent5"/>
+                </a:highlight>
+              </a:rPr>
               <a:t>Data Scientist</a:t>
             </a:r>
-            <a:endParaRPr/>
+            <a:endParaRPr sz="2200">
+              <a:highlight>
+                <a:schemeClr val="accent5"/>
+              </a:highlight>
+            </a:endParaRPr>
           </a:p>
           <a:p>
             <a:pPr indent="0" lvl="0" marL="0" rtl="0" algn="l">
@@ -10901,7 +11057,7 @@
             </a:pPr>
             <a:r>
               <a:rPr lang="en"/>
-              <a:t>Role</a:t>
+              <a:t>Build predictive models and machine-learning algorithms</a:t>
             </a:r>
             <a:endParaRPr/>
           </a:p>
@@ -10916,8 +11072,52 @@
               <a:buNone/>
             </a:pPr>
             <a:r>
-              <a:rPr lang="en"/>
-              <a:t>Average Salary</a:t>
+              <a:t/>
+            </a:r>
+            <a:endParaRPr/>
+          </a:p>
+          <a:p>
+            <a:pPr indent="0" lvl="0" marL="0" rtl="0" algn="l">
+              <a:spcBef>
+                <a:spcPts val="1200"/>
+              </a:spcBef>
+              <a:spcAft>
+                <a:spcPts val="0"/>
+              </a:spcAft>
+              <a:buNone/>
+            </a:pPr>
+            <a:r>
+              <a:t/>
+            </a:r>
+            <a:endParaRPr/>
+          </a:p>
+          <a:p>
+            <a:pPr indent="0" lvl="0" marL="0" rtl="0" algn="l">
+              <a:spcBef>
+                <a:spcPts val="1200"/>
+              </a:spcBef>
+              <a:spcAft>
+                <a:spcPts val="0"/>
+              </a:spcAft>
+              <a:buNone/>
+            </a:pPr>
+            <a:r>
+              <a:t/>
+            </a:r>
+            <a:endParaRPr/>
+          </a:p>
+          <a:p>
+            <a:pPr indent="0" lvl="0" marL="0" rtl="0" algn="l">
+              <a:spcBef>
+                <a:spcPts val="1200"/>
+              </a:spcBef>
+              <a:spcAft>
+                <a:spcPts val="0"/>
+              </a:spcAft>
+              <a:buNone/>
+            </a:pPr>
+            <a:r>
+              <a:t/>
             </a:r>
             <a:endParaRPr/>
           </a:p>
@@ -10938,6 +11138,105 @@
           </a:p>
         </p:txBody>
       </p:sp>
+      <p:sp>
+        <p:nvSpPr>
+          <p:cNvPr id="194" name="Google Shape;194;p29"/>
+          <p:cNvSpPr txBox="1"/>
+          <p:nvPr/>
+        </p:nvSpPr>
+        <p:spPr>
+          <a:xfrm>
+            <a:off x="42175" y="4764050"/>
+            <a:ext cx="5607300" cy="276900"/>
+          </a:xfrm>
+          <a:prstGeom prst="rect">
+            <a:avLst/>
+          </a:prstGeom>
+          <a:noFill/>
+          <a:ln>
+            <a:noFill/>
+          </a:ln>
+        </p:spPr>
+        <p:txBody>
+          <a:bodyPr anchorCtr="0" anchor="t" bIns="91425" lIns="91425" spcFirstLastPara="1" rIns="91425" wrap="square" tIns="91425">
+            <a:spAutoFit/>
+          </a:bodyPr>
+          <a:lstStyle/>
+          <a:p>
+            <a:pPr indent="0" lvl="0" marL="0" rtl="0" algn="l">
+              <a:spcBef>
+                <a:spcPts val="0"/>
+              </a:spcBef>
+              <a:spcAft>
+                <a:spcPts val="0"/>
+              </a:spcAft>
+              <a:buNone/>
+            </a:pPr>
+            <a:r>
+              <a:rPr lang="en" sz="600" u="sng">
+                <a:solidFill>
+                  <a:schemeClr val="hlink"/>
+                </a:solidFill>
+                <a:latin typeface="Roboto"/>
+                <a:ea typeface="Roboto"/>
+                <a:cs typeface="Roboto"/>
+                <a:sym typeface="Roboto"/>
+                <a:hlinkClick r:id="rId3"/>
+              </a:rPr>
+              <a:t>https://www.glassdoor.com/Salaries/california-data-scientist-salary-SRCH_IL.0,10_IS2280_KO11,25.htm</a:t>
+            </a:r>
+            <a:r>
+              <a:rPr lang="en" sz="600">
+                <a:latin typeface="Roboto"/>
+                <a:ea typeface="Roboto"/>
+                <a:cs typeface="Roboto"/>
+                <a:sym typeface="Roboto"/>
+              </a:rPr>
+              <a:t> </a:t>
+            </a:r>
+            <a:endParaRPr sz="600">
+              <a:latin typeface="Roboto"/>
+              <a:ea typeface="Roboto"/>
+              <a:cs typeface="Roboto"/>
+              <a:sym typeface="Roboto"/>
+            </a:endParaRPr>
+          </a:p>
+        </p:txBody>
+      </p:sp>
+      <p:pic>
+        <p:nvPicPr>
+          <p:cNvPr id="195" name="Google Shape;195;p29"/>
+          <p:cNvPicPr preferRelativeResize="0"/>
+          <p:nvPr/>
+        </p:nvPicPr>
+        <p:blipFill>
+          <a:blip r:embed="rId4">
+            <a:alphaModFix/>
+          </a:blip>
+          <a:stretch>
+            <a:fillRect/>
+          </a:stretch>
+        </p:blipFill>
+        <p:spPr>
+          <a:xfrm>
+            <a:off x="4310700" y="2172350"/>
+            <a:ext cx="4697426" cy="2444151"/>
+          </a:xfrm>
+          <a:prstGeom prst="rect">
+            <a:avLst/>
+          </a:prstGeom>
+          <a:noFill/>
+          <a:ln cap="flat" cmpd="sng" w="9525">
+            <a:solidFill>
+              <a:schemeClr val="dk2"/>
+            </a:solidFill>
+            <a:prstDash val="solid"/>
+            <a:round/>
+            <a:headEnd len="sm" w="sm" type="none"/>
+            <a:tailEnd len="sm" w="sm" type="none"/>
+          </a:ln>
+        </p:spPr>
+      </p:pic>
     </p:spTree>
   </p:cSld>
   <p:clrMapOvr>
@@ -10946,12 +11245,12 @@
 </p:sld>
 </file>
 
-<file path=ppt/slides/slide19.xml><?xml version="1.0" encoding="utf-8"?>
+<file path=ppt/slides/slide18.xml><?xml version="1.0" encoding="utf-8"?>
 <p:sld xmlns:a="http://schemas.openxmlformats.org/drawingml/2006/main" xmlns:r="http://schemas.openxmlformats.org/officeDocument/2006/relationships" xmlns:mc="http://schemas.openxmlformats.org/markup-compatibility/2006" xmlns:mv="urn:schemas-microsoft-com:mac:vml" xmlns:p="http://schemas.openxmlformats.org/presentationml/2006/main" xmlns:c="http://schemas.openxmlformats.org/drawingml/2006/chart" xmlns:dgm="http://schemas.openxmlformats.org/drawingml/2006/diagram" xmlns:o="urn:schemas-microsoft-com:office:office" xmlns:v="urn:schemas-microsoft-com:vml" xmlns:pvml="urn:schemas-microsoft-com:office:powerpoint" xmlns:com="http://schemas.openxmlformats.org/drawingml/2006/compatibility" xmlns:p14="http://schemas.microsoft.com/office/powerpoint/2010/main" xmlns:p15="http://schemas.microsoft.com/office/powerpoint/2012/main" xmlns:ahyp="http://schemas.microsoft.com/office/drawing/2018/hyperlinkcolor">
   <p:cSld>
     <p:spTree>
       <p:nvGrpSpPr>
-        <p:cNvPr id="195" name="Shape 195"/>
+        <p:cNvPr id="199" name="Shape 199"/>
         <p:cNvGrpSpPr/>
         <p:nvPr/>
       </p:nvGrpSpPr>
@@ -10965,7 +11264,7 @@
       </p:grpSpPr>
       <p:sp>
         <p:nvSpPr>
-          <p:cNvPr id="196" name="Google Shape;196;p31"/>
+          <p:cNvPr id="200" name="Google Shape;200;p30"/>
           <p:cNvSpPr txBox="1"/>
           <p:nvPr>
             <p:ph type="title"/>
@@ -10997,7 +11296,7 @@
             </a:pPr>
             <a:r>
               <a:rPr lang="en"/>
-              <a:t>Today’s Agenda</a:t>
+              <a:t>Questions?</a:t>
             </a:r>
             <a:endParaRPr/>
           </a:p>
@@ -11005,7 +11304,7 @@
       </p:sp>
       <p:sp>
         <p:nvSpPr>
-          <p:cNvPr id="197" name="Google Shape;197;p31"/>
+          <p:cNvPr id="201" name="Google Shape;201;p30"/>
           <p:cNvSpPr txBox="1"/>
           <p:nvPr>
             <p:ph idx="2" type="body"/>
@@ -11022,7 +11321,7 @@
         </p:spPr>
         <p:txBody>
           <a:bodyPr anchorCtr="0" anchor="ctr" bIns="91425" lIns="91425" spcFirstLastPara="1" rIns="91425" wrap="square" tIns="91425">
-            <a:normAutofit/>
+            <a:normAutofit lnSpcReduction="10000"/>
           </a:bodyPr>
           <a:lstStyle/>
           <a:p>
@@ -11037,139 +11336,143 @@
             </a:pPr>
             <a:r>
               <a:rPr lang="en"/>
-              <a:t>Python Libraries for Data Analysis and Visualization</a:t>
-            </a:r>
-            <a:endParaRPr/>
-          </a:p>
-          <a:p>
-            <a:pPr indent="-342900" lvl="0" marL="457200" rtl="0" algn="l">
+              <a:t>Github </a:t>
+            </a:r>
+            <a:r>
+              <a:rPr lang="en" u="sng">
+                <a:solidFill>
+                  <a:schemeClr val="hlink"/>
+                </a:solidFill>
+                <a:hlinkClick r:id="rId3"/>
+              </a:rPr>
+              <a:t>https://github.com/ovando-lulu/2022-tech-intersections-python</a:t>
+            </a:r>
+            <a:r>
+              <a:rPr lang="en"/>
+              <a:t> </a:t>
+            </a:r>
+            <a:endParaRPr/>
+          </a:p>
+          <a:p>
+            <a:pPr indent="0" lvl="0" marL="0" rtl="0" algn="l">
               <a:spcBef>
                 <a:spcPts val="1200"/>
               </a:spcBef>
               <a:spcAft>
                 <a:spcPts val="0"/>
               </a:spcAft>
-              <a:buSzPts val="1800"/>
-              <a:buChar char="●"/>
-            </a:pPr>
-            <a:r>
-              <a:rPr lang="en"/>
-              <a:t>Getting started with Python</a:t>
-            </a:r>
-            <a:endParaRPr/>
-          </a:p>
-          <a:p>
-            <a:pPr indent="-342900" lvl="0" marL="457200" rtl="0" algn="l">
-              <a:spcBef>
-                <a:spcPts val="0"/>
-              </a:spcBef>
-              <a:spcAft>
-                <a:spcPts val="0"/>
-              </a:spcAft>
-              <a:buSzPts val="1800"/>
-              <a:buChar char="●"/>
-            </a:pPr>
-            <a:r>
-              <a:rPr lang="en"/>
-              <a:t>Python Libraries</a:t>
-            </a:r>
-            <a:endParaRPr/>
-          </a:p>
-          <a:p>
-            <a:pPr indent="-317500" lvl="1" marL="914400" rtl="0" algn="l">
-              <a:spcBef>
-                <a:spcPts val="0"/>
-              </a:spcBef>
-              <a:spcAft>
-                <a:spcPts val="0"/>
-              </a:spcAft>
-              <a:buSzPts val="1400"/>
-              <a:buChar char="○"/>
-            </a:pPr>
-            <a:r>
-              <a:rPr lang="en"/>
-              <a:t>Pandas</a:t>
-            </a:r>
-            <a:endParaRPr/>
-          </a:p>
-          <a:p>
-            <a:pPr indent="-317500" lvl="1" marL="914400" rtl="0" algn="l">
-              <a:spcBef>
-                <a:spcPts val="0"/>
-              </a:spcBef>
-              <a:spcAft>
-                <a:spcPts val="0"/>
-              </a:spcAft>
-              <a:buSzPts val="1400"/>
-              <a:buChar char="○"/>
-            </a:pPr>
-            <a:r>
-              <a:rPr lang="en"/>
-              <a:t>Matplotlib</a:t>
-            </a:r>
-            <a:endParaRPr/>
-          </a:p>
-          <a:p>
-            <a:pPr indent="-317500" lvl="1" marL="914400" rtl="0" algn="l">
-              <a:spcBef>
-                <a:spcPts val="0"/>
-              </a:spcBef>
-              <a:spcAft>
-                <a:spcPts val="0"/>
-              </a:spcAft>
-              <a:buSzPts val="1400"/>
-              <a:buChar char="○"/>
-            </a:pPr>
-            <a:r>
-              <a:rPr lang="en"/>
-              <a:t>Seaborn</a:t>
-            </a:r>
-            <a:endParaRPr/>
-          </a:p>
-          <a:p>
-            <a:pPr indent="-342900" lvl="0" marL="457200" rtl="0" algn="l">
-              <a:spcBef>
-                <a:spcPts val="0"/>
-              </a:spcBef>
-              <a:spcAft>
-                <a:spcPts val="0"/>
-              </a:spcAft>
-              <a:buSzPts val="1800"/>
-              <a:buChar char="●"/>
-            </a:pPr>
-            <a:r>
-              <a:rPr lang="en"/>
-              <a:t>Additional Libraries</a:t>
-            </a:r>
-            <a:endParaRPr/>
-          </a:p>
-          <a:p>
-            <a:pPr indent="-342900" lvl="0" marL="457200" rtl="0" algn="l">
-              <a:spcBef>
-                <a:spcPts val="0"/>
-              </a:spcBef>
-              <a:spcAft>
-                <a:spcPts val="0"/>
-              </a:spcAft>
-              <a:buSzPts val="1800"/>
-              <a:buChar char="●"/>
-            </a:pPr>
-            <a:r>
-              <a:rPr lang="en">
-                <a:highlight>
-                  <a:srgbClr val="93C47D"/>
-                </a:highlight>
-              </a:rPr>
-              <a:t>Questions?</a:t>
-            </a:r>
-            <a:endParaRPr>
-              <a:highlight>
-                <a:srgbClr val="93C47D"/>
-              </a:highlight>
-            </a:endParaRPr>
+              <a:buNone/>
+            </a:pPr>
+            <a:r>
+              <a:t/>
+            </a:r>
+            <a:endParaRPr/>
+          </a:p>
+          <a:p>
+            <a:pPr indent="0" lvl="0" marL="0" rtl="0" algn="l">
+              <a:spcBef>
+                <a:spcPts val="1200"/>
+              </a:spcBef>
+              <a:spcAft>
+                <a:spcPts val="0"/>
+              </a:spcAft>
+              <a:buNone/>
+            </a:pPr>
+            <a:r>
+              <a:t/>
+            </a:r>
+            <a:endParaRPr/>
+          </a:p>
+          <a:p>
+            <a:pPr indent="0" lvl="0" marL="0" rtl="0" algn="l">
+              <a:spcBef>
+                <a:spcPts val="1200"/>
+              </a:spcBef>
+              <a:spcAft>
+                <a:spcPts val="0"/>
+              </a:spcAft>
+              <a:buNone/>
+            </a:pPr>
+            <a:r>
+              <a:t/>
+            </a:r>
+            <a:endParaRPr/>
+          </a:p>
+          <a:p>
+            <a:pPr indent="0" lvl="0" marL="0" rtl="0" algn="l">
+              <a:spcBef>
+                <a:spcPts val="1200"/>
+              </a:spcBef>
+              <a:spcAft>
+                <a:spcPts val="0"/>
+              </a:spcAft>
+              <a:buNone/>
+            </a:pPr>
+            <a:r>
+              <a:t/>
+            </a:r>
+            <a:endParaRPr/>
+          </a:p>
+          <a:p>
+            <a:pPr indent="0" lvl="0" marL="0" rtl="0" algn="l">
+              <a:spcBef>
+                <a:spcPts val="1200"/>
+              </a:spcBef>
+              <a:spcAft>
+                <a:spcPts val="0"/>
+              </a:spcAft>
+              <a:buNone/>
+            </a:pPr>
+            <a:r>
+              <a:t/>
+            </a:r>
+            <a:endParaRPr/>
+          </a:p>
+          <a:p>
+            <a:pPr indent="0" lvl="0" marL="0" rtl="0" algn="l">
+              <a:spcBef>
+                <a:spcPts val="1200"/>
+              </a:spcBef>
+              <a:spcAft>
+                <a:spcPts val="1200"/>
+              </a:spcAft>
+              <a:buNone/>
+            </a:pPr>
+            <a:r>
+              <a:t/>
+            </a:r>
+            <a:endParaRPr/>
           </a:p>
         </p:txBody>
       </p:sp>
+      <p:pic>
+        <p:nvPicPr>
+          <p:cNvPr id="202" name="Google Shape;202;p30"/>
+          <p:cNvPicPr preferRelativeResize="0"/>
+          <p:nvPr/>
+        </p:nvPicPr>
+        <p:blipFill>
+          <a:blip r:embed="rId4">
+            <a:alphaModFix/>
+          </a:blip>
+          <a:stretch>
+            <a:fillRect/>
+          </a:stretch>
+        </p:blipFill>
+        <p:spPr>
+          <a:xfrm>
+            <a:off x="5759650" y="1843700"/>
+            <a:ext cx="2071525" cy="2575600"/>
+          </a:xfrm>
+          <a:prstGeom prst="rect">
+            <a:avLst/>
+          </a:prstGeom>
+          <a:noFill/>
+          <a:ln>
+            <a:noFill/>
+          </a:ln>
+        </p:spPr>
+      </p:pic>
     </p:spTree>
   </p:cSld>
   <p:clrMapOvr>
@@ -11566,7 +11869,7 @@
         </p:spPr>
         <p:txBody>
           <a:bodyPr anchorCtr="0" anchor="t" bIns="91425" lIns="91425" spcFirstLastPara="1" rIns="91425" wrap="square" tIns="91425">
-            <a:normAutofit lnSpcReduction="10000"/>
+            <a:normAutofit/>
           </a:bodyPr>
           <a:lstStyle/>
           <a:p>
@@ -11630,22 +11933,6 @@
             <a:r>
               <a:rPr lang="en"/>
               <a:t>	Graduated at 28 yrs old</a:t>
-            </a:r>
-            <a:endParaRPr/>
-          </a:p>
-          <a:p>
-            <a:pPr indent="0" lvl="0" marL="0" rtl="0" algn="l">
-              <a:spcBef>
-                <a:spcPts val="1200"/>
-              </a:spcBef>
-              <a:spcAft>
-                <a:spcPts val="0"/>
-              </a:spcAft>
-              <a:buNone/>
-            </a:pPr>
-            <a:r>
-              <a:rPr lang="en"/>
-              <a:t>	Firebaugh, CA</a:t>
             </a:r>
             <a:endParaRPr/>
           </a:p>
@@ -12471,23 +12758,12 @@
               <a:buNone/>
             </a:pPr>
             <a:r>
-              <a:rPr lang="en"/>
-              <a:t>Data Point - Attendance</a:t>
-            </a:r>
-            <a:endParaRPr/>
-          </a:p>
-          <a:p>
-            <a:pPr indent="0" lvl="0" marL="0" rtl="0" algn="l">
-              <a:spcBef>
-                <a:spcPts val="1200"/>
-              </a:spcBef>
-              <a:spcAft>
-                <a:spcPts val="0"/>
-              </a:spcAft>
-              <a:buNone/>
-            </a:pPr>
-            <a:r>
-              <a:t/>
+              <a:rPr b="1" lang="en">
+                <a:highlight>
+                  <a:schemeClr val="accent5"/>
+                </a:highlight>
+              </a:rPr>
+              <a:t>Attendance</a:t>
             </a:r>
             <a:endParaRPr/>
           </a:p>
@@ -12892,30 +13168,32 @@
           </a:bodyPr>
           <a:lstStyle/>
           <a:p>
-            <a:pPr indent="0" lvl="0" marL="0" rtl="0" algn="l">
-              <a:spcBef>
-                <a:spcPts val="0"/>
-              </a:spcBef>
-              <a:spcAft>
-                <a:spcPts val="0"/>
-              </a:spcAft>
-              <a:buNone/>
-            </a:pPr>
-            <a:r>
-              <a:rPr lang="en"/>
-              <a:t>Anaconda</a:t>
-            </a:r>
-            <a:endParaRPr/>
-          </a:p>
-          <a:p>
-            <a:pPr indent="0" lvl="0" marL="0" rtl="0" algn="l">
-              <a:spcBef>
-                <a:spcPts val="1200"/>
-              </a:spcBef>
-              <a:spcAft>
-                <a:spcPts val="0"/>
-              </a:spcAft>
-              <a:buNone/>
+            <a:pPr indent="-342900" lvl="0" marL="457200" rtl="0" algn="l">
+              <a:spcBef>
+                <a:spcPts val="0"/>
+              </a:spcBef>
+              <a:spcAft>
+                <a:spcPts val="0"/>
+              </a:spcAft>
+              <a:buSzPts val="1800"/>
+              <a:buChar char="●"/>
+            </a:pPr>
+            <a:r>
+              <a:rPr lang="en"/>
+              <a:t>Anaconda  </a:t>
+            </a:r>
+            <a:endParaRPr/>
+          </a:p>
+          <a:p>
+            <a:pPr indent="-317500" lvl="1" marL="914400" rtl="0" algn="l">
+              <a:spcBef>
+                <a:spcPts val="0"/>
+              </a:spcBef>
+              <a:spcAft>
+                <a:spcPts val="0"/>
+              </a:spcAft>
+              <a:buSzPts val="1400"/>
+              <a:buChar char="○"/>
             </a:pPr>
             <a:r>
               <a:rPr lang="en" u="sng">
@@ -12933,23 +13211,149 @@
             <a:endParaRPr/>
           </a:p>
           <a:p>
-            <a:pPr indent="0" lvl="0" marL="0" rtl="0" algn="l">
-              <a:spcBef>
-                <a:spcPts val="1200"/>
-              </a:spcBef>
-              <a:spcAft>
-                <a:spcPts val="1200"/>
-              </a:spcAft>
-              <a:buNone/>
+            <a:pPr indent="-342900" lvl="0" marL="457200" rtl="0" algn="l">
+              <a:spcBef>
+                <a:spcPts val="0"/>
+              </a:spcBef>
+              <a:spcAft>
+                <a:spcPts val="0"/>
+              </a:spcAft>
+              <a:buSzPts val="1800"/>
+              <a:buChar char="●"/>
             </a:pPr>
             <a:r>
               <a:rPr lang="en"/>
               <a:t>Jupyter Lab and Notebook</a:t>
+            </a:r>
+            <a:endParaRPr/>
+          </a:p>
+          <a:p>
+            <a:pPr indent="-317500" lvl="1" marL="914400" rtl="0" algn="l">
+              <a:spcBef>
+                <a:spcPts val="0"/>
+              </a:spcBef>
+              <a:spcAft>
+                <a:spcPts val="0"/>
+              </a:spcAft>
+              <a:buSzPts val="1400"/>
+              <a:buChar char="○"/>
+            </a:pPr>
+            <a:r>
+              <a:rPr lang="en" u="sng">
+                <a:solidFill>
+                  <a:schemeClr val="hlink"/>
+                </a:solidFill>
+                <a:hlinkClick r:id="rId4"/>
+              </a:rPr>
+              <a:t>https://jupyter.org/try</a:t>
+            </a:r>
+            <a:r>
+              <a:rPr lang="en"/>
+              <a:t> </a:t>
+            </a:r>
+            <a:endParaRPr/>
+          </a:p>
+          <a:p>
+            <a:pPr indent="-342900" lvl="0" marL="457200" rtl="0" algn="l">
+              <a:spcBef>
+                <a:spcPts val="0"/>
+              </a:spcBef>
+              <a:spcAft>
+                <a:spcPts val="0"/>
+              </a:spcAft>
+              <a:buSzPts val="1800"/>
+              <a:buChar char="●"/>
+            </a:pPr>
+            <a:r>
+              <a:rPr lang="en"/>
+              <a:t>Google Colab</a:t>
+            </a:r>
+            <a:endParaRPr/>
+          </a:p>
+          <a:p>
+            <a:pPr indent="-317500" lvl="1" marL="914400" rtl="0" algn="l">
+              <a:spcBef>
+                <a:spcPts val="0"/>
+              </a:spcBef>
+              <a:spcAft>
+                <a:spcPts val="0"/>
+              </a:spcAft>
+              <a:buSzPts val="1400"/>
+              <a:buChar char="○"/>
+            </a:pPr>
+            <a:r>
+              <a:rPr lang="en" u="sng">
+                <a:solidFill>
+                  <a:schemeClr val="hlink"/>
+                </a:solidFill>
+                <a:hlinkClick r:id="rId5"/>
+              </a:rPr>
+              <a:t>https://colab.research.google.com/?utm_source=scs-index</a:t>
+            </a:r>
+            <a:r>
+              <a:rPr lang="en"/>
+              <a:t> </a:t>
             </a:r>
             <a:endParaRPr/>
           </a:p>
         </p:txBody>
       </p:sp>
+      <p:pic>
+        <p:nvPicPr>
+          <p:cNvPr id="132" name="Google Shape;132;p20"/>
+          <p:cNvPicPr preferRelativeResize="0"/>
+          <p:nvPr/>
+        </p:nvPicPr>
+        <p:blipFill>
+          <a:blip r:embed="rId6">
+            <a:alphaModFix/>
+          </a:blip>
+          <a:stretch>
+            <a:fillRect/>
+          </a:stretch>
+        </p:blipFill>
+        <p:spPr>
+          <a:xfrm>
+            <a:off x="115515" y="4191625"/>
+            <a:ext cx="2051685" cy="530475"/>
+          </a:xfrm>
+          <a:prstGeom prst="rect">
+            <a:avLst/>
+          </a:prstGeom>
+          <a:noFill/>
+          <a:ln>
+            <a:noFill/>
+          </a:ln>
+        </p:spPr>
+      </p:pic>
+      <p:pic>
+        <p:nvPicPr>
+          <p:cNvPr id="133" name="Google Shape;133;p20"/>
+          <p:cNvPicPr preferRelativeResize="0"/>
+          <p:nvPr/>
+        </p:nvPicPr>
+        <p:blipFill>
+          <a:blip r:embed="rId7">
+            <a:alphaModFix/>
+          </a:blip>
+          <a:stretch>
+            <a:fillRect/>
+          </a:stretch>
+        </p:blipFill>
+        <p:spPr>
+          <a:xfrm>
+            <a:off x="2271325" y="3958224"/>
+            <a:ext cx="1714101" cy="870775"/>
+          </a:xfrm>
+          <a:prstGeom prst="rect">
+            <a:avLst/>
+          </a:prstGeom>
+          <a:noFill/>
+          <a:ln>
+            <a:noFill/>
+          </a:ln>
+        </p:spPr>
+      </p:pic>
     </p:spTree>
   </p:cSld>
   <p:clrMapOvr>
@@ -12963,7 +13367,7 @@
   <p:cSld>
     <p:spTree>
       <p:nvGrpSpPr>
-        <p:cNvPr id="135" name="Shape 135"/>
+        <p:cNvPr id="137" name="Shape 137"/>
         <p:cNvGrpSpPr/>
         <p:nvPr/>
       </p:nvGrpSpPr>
@@ -12977,7 +13381,7 @@
       </p:grpSpPr>
       <p:sp>
         <p:nvSpPr>
-          <p:cNvPr id="136" name="Google Shape;136;p21"/>
+          <p:cNvPr id="138" name="Google Shape;138;p21"/>
           <p:cNvSpPr txBox="1"/>
           <p:nvPr>
             <p:ph type="title"/>
@@ -13009,7 +13413,7 @@
             </a:pPr>
             <a:r>
               <a:rPr lang="en"/>
-              <a:t>The data set for today</a:t>
+              <a:t>The data set for today - Bakery.csv</a:t>
             </a:r>
             <a:endParaRPr/>
           </a:p>
@@ -13017,7 +13421,7 @@
       </p:sp>
       <p:sp>
         <p:nvSpPr>
-          <p:cNvPr id="137" name="Google Shape;137;p21"/>
+          <p:cNvPr id="139" name="Google Shape;139;p21"/>
           <p:cNvSpPr txBox="1"/>
           <p:nvPr>
             <p:ph idx="1" type="body"/>
@@ -13034,7 +13438,7 @@
         </p:spPr>
         <p:txBody>
           <a:bodyPr anchorCtr="0" anchor="t" bIns="91425" lIns="91425" spcFirstLastPara="1" rIns="91425" wrap="square" tIns="91425">
-            <a:normAutofit/>
+            <a:normAutofit lnSpcReduction="20000"/>
           </a:bodyPr>
           <a:lstStyle/>
           <a:p>
@@ -13054,6 +13458,108 @@
             <a:endParaRPr/>
           </a:p>
           <a:p>
+            <a:pPr indent="-342900" lvl="0" marL="457200" rtl="0" algn="l">
+              <a:spcBef>
+                <a:spcPts val="1200"/>
+              </a:spcBef>
+              <a:spcAft>
+                <a:spcPts val="0"/>
+              </a:spcAft>
+              <a:buSzPts val="1800"/>
+              <a:buChar char="●"/>
+            </a:pPr>
+            <a:r>
+              <a:rPr lang="en"/>
+              <a:t>Database</a:t>
+            </a:r>
+            <a:endParaRPr/>
+          </a:p>
+          <a:p>
+            <a:pPr indent="-317500" lvl="1" marL="1371600" rtl="0" algn="l">
+              <a:spcBef>
+                <a:spcPts val="0"/>
+              </a:spcBef>
+              <a:spcAft>
+                <a:spcPts val="0"/>
+              </a:spcAft>
+              <a:buSzPts val="1400"/>
+              <a:buChar char="○"/>
+            </a:pPr>
+            <a:r>
+              <a:rPr lang="en"/>
+              <a:t>applications</a:t>
+            </a:r>
+            <a:endParaRPr/>
+          </a:p>
+          <a:p>
+            <a:pPr indent="-342900" lvl="0" marL="457200" rtl="0" algn="l">
+              <a:spcBef>
+                <a:spcPts val="0"/>
+              </a:spcBef>
+              <a:spcAft>
+                <a:spcPts val="0"/>
+              </a:spcAft>
+              <a:buSzPts val="1800"/>
+              <a:buChar char="●"/>
+            </a:pPr>
+            <a:r>
+              <a:rPr lang="en"/>
+              <a:t>Online</a:t>
+            </a:r>
+            <a:endParaRPr/>
+          </a:p>
+          <a:p>
+            <a:pPr indent="-317500" lvl="1" marL="1371600" rtl="0" algn="l">
+              <a:spcBef>
+                <a:spcPts val="0"/>
+              </a:spcBef>
+              <a:spcAft>
+                <a:spcPts val="0"/>
+              </a:spcAft>
+              <a:buSzPts val="1400"/>
+              <a:buChar char="○"/>
+            </a:pPr>
+            <a:r>
+              <a:rPr lang="en"/>
+              <a:t>Kaggle, Data.gov, search for open datasets</a:t>
+            </a:r>
+            <a:endParaRPr/>
+          </a:p>
+          <a:p>
+            <a:pPr indent="-342900" lvl="0" marL="457200" rtl="0" algn="l">
+              <a:spcBef>
+                <a:spcPts val="0"/>
+              </a:spcBef>
+              <a:spcAft>
+                <a:spcPts val="0"/>
+              </a:spcAft>
+              <a:buSzPts val="1800"/>
+              <a:buChar char="●"/>
+            </a:pPr>
+            <a:r>
+              <a:rPr lang="en"/>
+              <a:t>API</a:t>
+            </a:r>
+            <a:endParaRPr/>
+          </a:p>
+          <a:p>
+            <a:pPr indent="-317500" lvl="1" marL="1371600" rtl="0" algn="l">
+              <a:spcBef>
+                <a:spcPts val="0"/>
+              </a:spcBef>
+              <a:spcAft>
+                <a:spcPts val="0"/>
+              </a:spcAft>
+              <a:buSzPts val="1400"/>
+              <a:buChar char="○"/>
+            </a:pPr>
+            <a:r>
+              <a:rPr lang="en"/>
+              <a:t>Spotify, Github</a:t>
+            </a:r>
+            <a:endParaRPr/>
+          </a:p>
+          <a:p>
             <a:pPr indent="0" lvl="0" marL="0" rtl="0" algn="l">
               <a:spcBef>
                 <a:spcPts val="1200"/>
@@ -13064,8 +13570,7 @@
               <a:buNone/>
             </a:pPr>
             <a:r>
-              <a:rPr lang="en"/>
-              <a:t>	Database</a:t>
+              <a:t/>
             </a:r>
             <a:endParaRPr/>
           </a:p>
@@ -13080,45 +13585,99 @@
               <a:buNone/>
             </a:pPr>
             <a:r>
-              <a:rPr lang="en"/>
-              <a:t>	Online</a:t>
-            </a:r>
-            <a:endParaRPr/>
-          </a:p>
-          <a:p>
-            <a:pPr indent="0" lvl="0" marL="0" rtl="0" algn="l">
+              <a:rPr lang="en" u="sng">
+                <a:solidFill>
+                  <a:schemeClr val="hlink"/>
+                </a:solidFill>
+                <a:hlinkClick r:id="rId3"/>
+              </a:rPr>
+              <a:t>https://www.kaggle.com/datasets/akashdeepkuila/bakery</a:t>
+            </a:r>
+            <a:r>
+              <a:rPr lang="en"/>
+              <a:t> </a:t>
+            </a:r>
+            <a:endParaRPr/>
+          </a:p>
+          <a:p>
+            <a:pPr indent="0" lvl="0" marL="914400" rtl="0" algn="l">
               <a:spcBef>
                 <a:spcPts val="1200"/>
               </a:spcBef>
               <a:spcAft>
-                <a:spcPts val="0"/>
-              </a:spcAft>
-              <a:buNone/>
-            </a:pPr>
-            <a:r>
-              <a:rPr lang="en"/>
-              <a:t>	API</a:t>
-            </a:r>
-            <a:endParaRPr/>
-          </a:p>
-          <a:p>
-            <a:pPr indent="0" lvl="0" marL="0" rtl="0" algn="l">
-              <a:spcBef>
                 <a:spcPts val="1200"/>
-              </a:spcBef>
-              <a:spcAft>
-                <a:spcPts val="1200"/>
-              </a:spcAft>
-              <a:buNone/>
-            </a:pPr>
-            <a:r>
-              <a:rPr lang="en"/>
-              <a:t>	Excel</a:t>
+              </a:spcAft>
+              <a:buNone/>
+            </a:pPr>
+            <a:r>
+              <a:t/>
             </a:r>
             <a:endParaRPr/>
           </a:p>
         </p:txBody>
       </p:sp>
+      <p:pic>
+        <p:nvPicPr>
+          <p:cNvPr id="140" name="Google Shape;140;p21"/>
+          <p:cNvPicPr preferRelativeResize="0"/>
+          <p:nvPr/>
+        </p:nvPicPr>
+        <p:blipFill>
+          <a:blip r:embed="rId4">
+            <a:alphaModFix/>
+          </a:blip>
+          <a:stretch>
+            <a:fillRect/>
+          </a:stretch>
+        </p:blipFill>
+        <p:spPr>
+          <a:xfrm>
+            <a:off x="5333225" y="1093024"/>
+            <a:ext cx="3652676" cy="1997651"/>
+          </a:xfrm>
+          <a:prstGeom prst="rect">
+            <a:avLst/>
+          </a:prstGeom>
+          <a:noFill/>
+          <a:ln cap="flat" cmpd="sng" w="9525">
+            <a:solidFill>
+              <a:schemeClr val="dk2"/>
+            </a:solidFill>
+            <a:prstDash val="solid"/>
+            <a:round/>
+            <a:headEnd len="sm" w="sm" type="none"/>
+            <a:tailEnd len="sm" w="sm" type="none"/>
+          </a:ln>
+        </p:spPr>
+      </p:pic>
+      <p:pic>
+        <p:nvPicPr>
+          <p:cNvPr id="141" name="Google Shape;141;p21"/>
+          <p:cNvPicPr preferRelativeResize="0"/>
+          <p:nvPr/>
+        </p:nvPicPr>
+        <p:blipFill>
+          <a:blip r:embed="rId5">
+            <a:alphaModFix/>
+          </a:blip>
+          <a:stretch>
+            <a:fillRect/>
+          </a:stretch>
+        </p:blipFill>
+        <p:spPr>
+          <a:xfrm>
+            <a:off x="8256800" y="747975"/>
+            <a:ext cx="729102" cy="269825"/>
+          </a:xfrm>
+          <a:prstGeom prst="rect">
+            <a:avLst/>
+          </a:prstGeom>
+          <a:noFill/>
+          <a:ln>
+            <a:noFill/>
+          </a:ln>
+        </p:spPr>
+      </p:pic>
     </p:spTree>
   </p:cSld>
   <p:clrMapOvr>
